--- a/PresentationsEpreuves/PreparationOral.pptx
+++ b/PresentationsEpreuves/PreparationOral.pptx
@@ -230,7 +230,7 @@
             <a:fld id="{E494A05E-DEA9-4CEA-A63B-3593EEF3AC45}" type="datetimeFigureOut">
               <a:rPr lang="fr-FR" smtClean="0"/>
               <a:pPr/>
-              <a:t>10/05/2021</a:t>
+              <a:t>24/04/2025</a:t>
             </a:fld>
             <a:endParaRPr lang="fr-FR"/>
           </a:p>
@@ -1156,7 +1156,7 @@
             <a:fld id="{3A961F90-11F6-4966-B0E5-2BB20F714B78}" type="datetime1">
               <a:rPr lang="fr-FR" smtClean="0"/>
               <a:pPr/>
-              <a:t>10/05/2021</a:t>
+              <a:t>24/04/2025</a:t>
             </a:fld>
             <a:endParaRPr lang="fr-FR"/>
           </a:p>
@@ -1517,7 +1517,7 @@
             <a:fld id="{59700BD1-A4B5-444B-B773-B4FDD97DF200}" type="datetime1">
               <a:rPr lang="fr-FR" smtClean="0"/>
               <a:pPr/>
-              <a:t>10/05/2021</a:t>
+              <a:t>24/04/2025</a:t>
             </a:fld>
             <a:endParaRPr lang="fr-FR"/>
           </a:p>
@@ -1694,7 +1694,7 @@
             <a:fld id="{A354AF49-C35E-40F6-8345-CA866716EE79}" type="datetime1">
               <a:rPr lang="fr-FR" smtClean="0"/>
               <a:pPr/>
-              <a:t>10/05/2021</a:t>
+              <a:t>24/04/2025</a:t>
             </a:fld>
             <a:endParaRPr lang="fr-FR"/>
           </a:p>
@@ -1936,7 +1936,7 @@
             <a:fld id="{EAFEF7E1-4A71-4560-AA4D-33BBAAF32357}" type="datetime1">
               <a:rPr lang="fr-FR" smtClean="0"/>
               <a:pPr/>
-              <a:t>10/05/2021</a:t>
+              <a:t>24/04/2025</a:t>
             </a:fld>
             <a:endParaRPr lang="fr-FR"/>
           </a:p>
@@ -2207,7 +2207,7 @@
             <a:fld id="{9BE6CECE-C4BA-493A-9F45-8F69D8200EC9}" type="datetime1">
               <a:rPr lang="fr-FR" smtClean="0"/>
               <a:pPr/>
-              <a:t>10/05/2021</a:t>
+              <a:t>24/04/2025</a:t>
             </a:fld>
             <a:endParaRPr lang="fr-FR"/>
           </a:p>
@@ -2429,7 +2429,7 @@
             <a:fld id="{6B400324-51BB-4021-B482-6C084AB66459}" type="datetime1">
               <a:rPr lang="fr-FR" smtClean="0"/>
               <a:pPr/>
-              <a:t>10/05/2021</a:t>
+              <a:t>24/04/2025</a:t>
             </a:fld>
             <a:endParaRPr lang="fr-FR"/>
           </a:p>
@@ -2783,7 +2783,7 @@
             <a:fld id="{87C4A39B-E1E0-4B19-A965-1E1097FB3AF3}" type="datetime1">
               <a:rPr lang="fr-FR" smtClean="0"/>
               <a:pPr/>
-              <a:t>10/05/2021</a:t>
+              <a:t>24/04/2025</a:t>
             </a:fld>
             <a:endParaRPr lang="fr-FR"/>
           </a:p>
@@ -3017,7 +3017,7 @@
             <a:fld id="{CEF5A761-699F-4B94-BA43-1E8C0C9C554B}" type="datetime1">
               <a:rPr lang="fr-FR" smtClean="0"/>
               <a:pPr/>
-              <a:t>10/05/2021</a:t>
+              <a:t>24/04/2025</a:t>
             </a:fld>
             <a:endParaRPr lang="fr-FR"/>
           </a:p>
@@ -3159,7 +3159,7 @@
             <a:fld id="{E407DE65-0759-4C9C-9804-8C4C0AC5F8D7}" type="datetime1">
               <a:rPr lang="fr-FR" smtClean="0"/>
               <a:pPr/>
-              <a:t>10/05/2021</a:t>
+              <a:t>24/04/2025</a:t>
             </a:fld>
             <a:endParaRPr lang="fr-FR"/>
           </a:p>
@@ -3438,7 +3438,7 @@
             <a:fld id="{6DCAF433-E5EB-4B74-B8BB-3F6D9EEAE800}" type="datetime1">
               <a:rPr lang="fr-FR" smtClean="0"/>
               <a:pPr/>
-              <a:t>10/05/2021</a:t>
+              <a:t>24/04/2025</a:t>
             </a:fld>
             <a:endParaRPr lang="fr-FR"/>
           </a:p>
@@ -3847,7 +3847,7 @@
             <a:fld id="{E5AEAC06-18E9-471A-B77A-CDA5C363BF1F}" type="datetime1">
               <a:rPr lang="fr-FR" smtClean="0"/>
               <a:pPr/>
-              <a:t>10/05/2021</a:t>
+              <a:t>24/04/2025</a:t>
             </a:fld>
             <a:endParaRPr lang="fr-FR"/>
           </a:p>
@@ -4187,7 +4187,7 @@
             <a:fld id="{B9178431-C703-4FD6-9F6F-E8F5512852E2}" type="datetime1">
               <a:rPr lang="fr-FR" smtClean="0"/>
               <a:pPr/>
-              <a:t>10/05/2021</a:t>
+              <a:t>24/04/2025</a:t>
             </a:fld>
             <a:endParaRPr lang="fr-FR"/>
           </a:p>
@@ -6956,8 +6956,12 @@
           <a:lstStyle/>
           <a:p>
             <a:r>
-              <a:rPr lang="fr-FR" dirty="0"/>
-              <a:t>Les planning sont en ligne.</a:t>
+              <a:rPr lang="fr-FR"/>
+              <a:t>Les plannings </a:t>
+            </a:r>
+            <a:r>
+              <a:rPr lang="fr-FR" dirty="0"/>
+              <a:t>sont en ligne.</a:t>
             </a:r>
           </a:p>
           <a:p>
